--- a/class_2/class_2.pptx
+++ b/class_2/class_2.pptx
@@ -143,6 +143,11 @@
       </a:defRPr>
     </a:lvl9pPr>
   </p:defaultTextStyle>
+  <p:extLst>
+    <p:ext uri="{EFAFB233-063F-42B5-8137-9DF3F51BA10A}">
+      <p15:sldGuideLst xmlns:p15="http://schemas.microsoft.com/office/powerpoint/2012/main"/>
+    </p:ext>
+  </p:extLst>
 </p:presentation>
 </file>
 
@@ -228,7 +233,7 @@
           <a:p>
             <a:fld id="{2C91834C-1D7B-0543-9732-49588A160261}" type="datetimeFigureOut">
               <a:rPr lang="en-US" smtClean="0"/>
-              <a:t>3/31/20</a:t>
+              <a:t>4/1/20</a:t>
             </a:fld>
             <a:endParaRPr lang="en-US"/>
           </a:p>
@@ -4390,7 +4395,7 @@
           <a:p>
             <a:fld id="{45414CE4-155B-6F47-AC85-56D720CA36DA}" type="datetimeFigureOut">
               <a:rPr lang="en-US" smtClean="0"/>
-              <a:t>3/31/20</a:t>
+              <a:t>4/1/20</a:t>
             </a:fld>
             <a:endParaRPr lang="en-US"/>
           </a:p>
@@ -4588,7 +4593,7 @@
           <a:p>
             <a:fld id="{45414CE4-155B-6F47-AC85-56D720CA36DA}" type="datetimeFigureOut">
               <a:rPr lang="en-US" smtClean="0"/>
-              <a:t>3/31/20</a:t>
+              <a:t>4/1/20</a:t>
             </a:fld>
             <a:endParaRPr lang="en-US"/>
           </a:p>
@@ -4796,7 +4801,7 @@
           <a:p>
             <a:fld id="{45414CE4-155B-6F47-AC85-56D720CA36DA}" type="datetimeFigureOut">
               <a:rPr lang="en-US" smtClean="0"/>
-              <a:t>3/31/20</a:t>
+              <a:t>4/1/20</a:t>
             </a:fld>
             <a:endParaRPr lang="en-US"/>
           </a:p>
@@ -5264,7 +5269,7 @@
           <a:p>
             <a:fld id="{45414CE4-155B-6F47-AC85-56D720CA36DA}" type="datetimeFigureOut">
               <a:rPr lang="en-US" smtClean="0"/>
-              <a:t>3/31/20</a:t>
+              <a:t>4/1/20</a:t>
             </a:fld>
             <a:endParaRPr lang="en-US"/>
           </a:p>
@@ -5539,7 +5544,7 @@
           <a:p>
             <a:fld id="{45414CE4-155B-6F47-AC85-56D720CA36DA}" type="datetimeFigureOut">
               <a:rPr lang="en-US" smtClean="0"/>
-              <a:t>3/31/20</a:t>
+              <a:t>4/1/20</a:t>
             </a:fld>
             <a:endParaRPr lang="en-US"/>
           </a:p>
@@ -5804,7 +5809,7 @@
           <a:p>
             <a:fld id="{45414CE4-155B-6F47-AC85-56D720CA36DA}" type="datetimeFigureOut">
               <a:rPr lang="en-US" smtClean="0"/>
-              <a:t>3/31/20</a:t>
+              <a:t>4/1/20</a:t>
             </a:fld>
             <a:endParaRPr lang="en-US"/>
           </a:p>
@@ -6216,7 +6221,7 @@
           <a:p>
             <a:fld id="{45414CE4-155B-6F47-AC85-56D720CA36DA}" type="datetimeFigureOut">
               <a:rPr lang="en-US" smtClean="0"/>
-              <a:t>3/31/20</a:t>
+              <a:t>4/1/20</a:t>
             </a:fld>
             <a:endParaRPr lang="en-US"/>
           </a:p>
@@ -6357,7 +6362,7 @@
           <a:p>
             <a:fld id="{45414CE4-155B-6F47-AC85-56D720CA36DA}" type="datetimeFigureOut">
               <a:rPr lang="en-US" smtClean="0"/>
-              <a:t>3/31/20</a:t>
+              <a:t>4/1/20</a:t>
             </a:fld>
             <a:endParaRPr lang="en-US"/>
           </a:p>
@@ -6470,7 +6475,7 @@
           <a:p>
             <a:fld id="{45414CE4-155B-6F47-AC85-56D720CA36DA}" type="datetimeFigureOut">
               <a:rPr lang="en-US" smtClean="0"/>
-              <a:t>3/31/20</a:t>
+              <a:t>4/1/20</a:t>
             </a:fld>
             <a:endParaRPr lang="en-US"/>
           </a:p>
@@ -6781,7 +6786,7 @@
           <a:p>
             <a:fld id="{45414CE4-155B-6F47-AC85-56D720CA36DA}" type="datetimeFigureOut">
               <a:rPr lang="en-US" smtClean="0"/>
-              <a:t>3/31/20</a:t>
+              <a:t>4/1/20</a:t>
             </a:fld>
             <a:endParaRPr lang="en-US"/>
           </a:p>
@@ -7069,7 +7074,7 @@
           <a:p>
             <a:fld id="{45414CE4-155B-6F47-AC85-56D720CA36DA}" type="datetimeFigureOut">
               <a:rPr lang="en-US" smtClean="0"/>
-              <a:t>3/31/20</a:t>
+              <a:t>4/1/20</a:t>
             </a:fld>
             <a:endParaRPr lang="en-US"/>
           </a:p>
@@ -7310,7 +7315,7 @@
           <a:p>
             <a:fld id="{45414CE4-155B-6F47-AC85-56D720CA36DA}" type="datetimeFigureOut">
               <a:rPr lang="en-US" smtClean="0"/>
-              <a:t>3/31/20</a:t>
+              <a:t>4/1/20</a:t>
             </a:fld>
             <a:endParaRPr lang="en-US"/>
           </a:p>
@@ -7935,7 +7940,7 @@
                 <a:cs typeface="Consolas"/>
                 <a:sym typeface="Consolas"/>
               </a:rPr>
-              <a:t>curl –O -L </a:t>
+              <a:t>curl –OL </a:t>
             </a:r>
             <a:r>
               <a:rPr lang="en-US" sz="1333" b="1" dirty="0">
@@ -8484,7 +8489,7 @@
           <a:lstStyle/>
           <a:p>
             <a:r>
-              <a:rPr lang="en" sz="1200">
+              <a:rPr lang="en" sz="1200" dirty="0">
                 <a:solidFill>
                   <a:srgbClr val="333333"/>
                 </a:solidFill>
@@ -8498,7 +8503,7 @@
               </a:rPr>
               <a:t>LESS(1)                                                                   LESS(1)</a:t>
             </a:r>
-            <a:endParaRPr sz="1200">
+            <a:endParaRPr sz="1200" dirty="0">
               <a:solidFill>
                 <a:srgbClr val="333333"/>
               </a:solidFill>
@@ -8512,7 +8517,7 @@
             </a:endParaRPr>
           </a:p>
           <a:p>
-            <a:endParaRPr sz="1200">
+            <a:endParaRPr sz="1200" dirty="0">
               <a:solidFill>
                 <a:srgbClr val="333333"/>
               </a:solidFill>
@@ -8526,7 +8531,7 @@
             </a:endParaRPr>
           </a:p>
           <a:p>
-            <a:endParaRPr sz="1200">
+            <a:endParaRPr sz="1200" dirty="0">
               <a:solidFill>
                 <a:srgbClr val="333333"/>
               </a:solidFill>
@@ -8540,7 +8545,7 @@
             </a:endParaRPr>
           </a:p>
           <a:p>
-            <a:endParaRPr sz="1200">
+            <a:endParaRPr sz="1200" dirty="0">
               <a:solidFill>
                 <a:srgbClr val="333333"/>
               </a:solidFill>
@@ -8555,7 +8560,7 @@
           </a:p>
           <a:p>
             <a:r>
-              <a:rPr lang="en" sz="1200">
+              <a:rPr lang="en" sz="1200" dirty="0">
                 <a:solidFill>
                   <a:srgbClr val="333333"/>
                 </a:solidFill>
@@ -8569,7 +8574,7 @@
               </a:rPr>
               <a:t>NAME</a:t>
             </a:r>
-            <a:endParaRPr sz="1200">
+            <a:endParaRPr sz="1200" dirty="0">
               <a:solidFill>
                 <a:srgbClr val="333333"/>
               </a:solidFill>
@@ -8584,7 +8589,7 @@
           </a:p>
           <a:p>
             <a:r>
-              <a:rPr lang="en" sz="1200">
+              <a:rPr lang="en" sz="1200" dirty="0">
                 <a:solidFill>
                   <a:srgbClr val="333333"/>
                 </a:solidFill>
@@ -8598,7 +8603,7 @@
               </a:rPr>
               <a:t>       less - opposite of more</a:t>
             </a:r>
-            <a:endParaRPr sz="1200">
+            <a:endParaRPr sz="1200" dirty="0">
               <a:solidFill>
                 <a:srgbClr val="333333"/>
               </a:solidFill>
@@ -8612,7 +8617,7 @@
             </a:endParaRPr>
           </a:p>
           <a:p>
-            <a:endParaRPr sz="1200">
+            <a:endParaRPr sz="1200" dirty="0">
               <a:solidFill>
                 <a:srgbClr val="333333"/>
               </a:solidFill>
@@ -8627,7 +8632,7 @@
           </a:p>
           <a:p>
             <a:r>
-              <a:rPr lang="en" sz="1200">
+              <a:rPr lang="en" sz="1200" dirty="0">
                 <a:solidFill>
                   <a:srgbClr val="333333"/>
                 </a:solidFill>
@@ -8641,7 +8646,7 @@
               </a:rPr>
               <a:t>SYNOPSIS</a:t>
             </a:r>
-            <a:endParaRPr sz="1200">
+            <a:endParaRPr sz="1200" dirty="0">
               <a:solidFill>
                 <a:srgbClr val="333333"/>
               </a:solidFill>
@@ -8656,7 +8661,7 @@
           </a:p>
           <a:p>
             <a:r>
-              <a:rPr lang="en" sz="1200">
+              <a:rPr lang="en" sz="1200" dirty="0">
                 <a:solidFill>
                   <a:srgbClr val="333333"/>
                 </a:solidFill>
@@ -8670,7 +8675,7 @@
               </a:rPr>
               <a:t>       less -?</a:t>
             </a:r>
-            <a:endParaRPr sz="1200">
+            <a:endParaRPr sz="1200" dirty="0">
               <a:solidFill>
                 <a:srgbClr val="333333"/>
               </a:solidFill>
@@ -8685,7 +8690,7 @@
           </a:p>
           <a:p>
             <a:r>
-              <a:rPr lang="en" sz="1200">
+              <a:rPr lang="en" sz="1200" dirty="0">
                 <a:solidFill>
                   <a:srgbClr val="333333"/>
                 </a:solidFill>
@@ -8699,7 +8704,7 @@
               </a:rPr>
               <a:t>       less --help</a:t>
             </a:r>
-            <a:endParaRPr sz="1200">
+            <a:endParaRPr sz="1200" dirty="0">
               <a:solidFill>
                 <a:srgbClr val="333333"/>
               </a:solidFill>
@@ -8714,7 +8719,7 @@
           </a:p>
           <a:p>
             <a:r>
-              <a:rPr lang="en" sz="1200">
+              <a:rPr lang="en" sz="1200" dirty="0">
                 <a:solidFill>
                   <a:srgbClr val="333333"/>
                 </a:solidFill>
@@ -8728,7 +8733,7 @@
               </a:rPr>
               <a:t>       less -V</a:t>
             </a:r>
-            <a:endParaRPr sz="1200">
+            <a:endParaRPr sz="1200" dirty="0">
               <a:solidFill>
                 <a:srgbClr val="333333"/>
               </a:solidFill>
@@ -8743,7 +8748,7 @@
           </a:p>
           <a:p>
             <a:r>
-              <a:rPr lang="en" sz="1200">
+              <a:rPr lang="en" sz="1200" dirty="0">
                 <a:solidFill>
                   <a:srgbClr val="333333"/>
                 </a:solidFill>
@@ -8757,7 +8762,7 @@
               </a:rPr>
               <a:t>       less --version</a:t>
             </a:r>
-            <a:endParaRPr sz="1200">
+            <a:endParaRPr sz="1200" dirty="0">
               <a:solidFill>
                 <a:srgbClr val="333333"/>
               </a:solidFill>
@@ -8772,21 +8777,51 @@
           </a:p>
           <a:p>
             <a:r>
-              <a:rPr lang="en" sz="1200">
-                <a:solidFill>
-                  <a:srgbClr val="333333"/>
-                </a:solidFill>
-                <a:highlight>
-                  <a:srgbClr val="FFFFFF"/>
-                </a:highlight>
-                <a:latin typeface="Consolas"/>
-                <a:ea typeface="Consolas"/>
-                <a:cs typeface="Consolas"/>
-                <a:sym typeface="Consolas"/>
-              </a:rPr>
-              <a:t>       less [-[+]aABcCdeEfFgGiIJKLmMnNqQrRsSuUVwWX~]</a:t>
-            </a:r>
-            <a:endParaRPr sz="1200">
+              <a:rPr lang="en" sz="1200" dirty="0">
+                <a:solidFill>
+                  <a:srgbClr val="333333"/>
+                </a:solidFill>
+                <a:highlight>
+                  <a:srgbClr val="FFFFFF"/>
+                </a:highlight>
+                <a:latin typeface="Consolas"/>
+                <a:ea typeface="Consolas"/>
+                <a:cs typeface="Consolas"/>
+                <a:sym typeface="Consolas"/>
+              </a:rPr>
+              <a:t>       less [-[+]</a:t>
+            </a:r>
+            <a:r>
+              <a:rPr lang="en" sz="1200" dirty="0" err="1">
+                <a:solidFill>
+                  <a:srgbClr val="333333"/>
+                </a:solidFill>
+                <a:highlight>
+                  <a:srgbClr val="FFFFFF"/>
+                </a:highlight>
+                <a:latin typeface="Consolas"/>
+                <a:ea typeface="Consolas"/>
+                <a:cs typeface="Consolas"/>
+                <a:sym typeface="Consolas"/>
+              </a:rPr>
+              <a:t>aABcCdeEfFgGiIJKLmMnNqQrRsSuUVwWX</a:t>
+            </a:r>
+            <a:r>
+              <a:rPr lang="en" sz="1200" dirty="0">
+                <a:solidFill>
+                  <a:srgbClr val="333333"/>
+                </a:solidFill>
+                <a:highlight>
+                  <a:srgbClr val="FFFFFF"/>
+                </a:highlight>
+                <a:latin typeface="Consolas"/>
+                <a:ea typeface="Consolas"/>
+                <a:cs typeface="Consolas"/>
+                <a:sym typeface="Consolas"/>
+              </a:rPr>
+              <a:t>~]</a:t>
+            </a:r>
+            <a:endParaRPr sz="1200" dirty="0">
               <a:solidFill>
                 <a:srgbClr val="333333"/>
               </a:solidFill>
@@ -8801,21 +8836,51 @@
           </a:p>
           <a:p>
             <a:r>
-              <a:rPr lang="en" sz="1200">
-                <a:solidFill>
-                  <a:srgbClr val="333333"/>
-                </a:solidFill>
-                <a:highlight>
-                  <a:srgbClr val="FFFFFF"/>
-                </a:highlight>
-                <a:latin typeface="Consolas"/>
-                <a:ea typeface="Consolas"/>
-                <a:cs typeface="Consolas"/>
-                <a:sym typeface="Consolas"/>
-              </a:rPr>
-              <a:t>            [-b space] [-h lines] [-j line] [-k keyfile]</a:t>
-            </a:r>
-            <a:endParaRPr sz="1200">
+              <a:rPr lang="en" sz="1200" dirty="0">
+                <a:solidFill>
+                  <a:srgbClr val="333333"/>
+                </a:solidFill>
+                <a:highlight>
+                  <a:srgbClr val="FFFFFF"/>
+                </a:highlight>
+                <a:latin typeface="Consolas"/>
+                <a:ea typeface="Consolas"/>
+                <a:cs typeface="Consolas"/>
+                <a:sym typeface="Consolas"/>
+              </a:rPr>
+              <a:t>            [-b space] [-h lines] [-j line] [-k </a:t>
+            </a:r>
+            <a:r>
+              <a:rPr lang="en" sz="1200" dirty="0" err="1">
+                <a:solidFill>
+                  <a:srgbClr val="333333"/>
+                </a:solidFill>
+                <a:highlight>
+                  <a:srgbClr val="FFFFFF"/>
+                </a:highlight>
+                <a:latin typeface="Consolas"/>
+                <a:ea typeface="Consolas"/>
+                <a:cs typeface="Consolas"/>
+                <a:sym typeface="Consolas"/>
+              </a:rPr>
+              <a:t>keyfile</a:t>
+            </a:r>
+            <a:r>
+              <a:rPr lang="en" sz="1200" dirty="0">
+                <a:solidFill>
+                  <a:srgbClr val="333333"/>
+                </a:solidFill>
+                <a:highlight>
+                  <a:srgbClr val="FFFFFF"/>
+                </a:highlight>
+                <a:latin typeface="Consolas"/>
+                <a:ea typeface="Consolas"/>
+                <a:cs typeface="Consolas"/>
+                <a:sym typeface="Consolas"/>
+              </a:rPr>
+              <a:t>]</a:t>
+            </a:r>
+            <a:endParaRPr sz="1200" dirty="0">
               <a:solidFill>
                 <a:srgbClr val="333333"/>
               </a:solidFill>
@@ -8830,21 +8895,51 @@
           </a:p>
           <a:p>
             <a:r>
-              <a:rPr lang="en" sz="1200">
-                <a:solidFill>
-                  <a:srgbClr val="333333"/>
-                </a:solidFill>
-                <a:highlight>
-                  <a:srgbClr val="FFFFFF"/>
-                </a:highlight>
-                <a:latin typeface="Consolas"/>
-                <a:ea typeface="Consolas"/>
-                <a:cs typeface="Consolas"/>
-                <a:sym typeface="Consolas"/>
-              </a:rPr>
-              <a:t>            [-{oO} logfile] [-p pattern] [-P prompt] [-t tag]</a:t>
-            </a:r>
-            <a:endParaRPr sz="1200">
+              <a:rPr lang="en" sz="1200" dirty="0">
+                <a:solidFill>
+                  <a:srgbClr val="333333"/>
+                </a:solidFill>
+                <a:highlight>
+                  <a:srgbClr val="FFFFFF"/>
+                </a:highlight>
+                <a:latin typeface="Consolas"/>
+                <a:ea typeface="Consolas"/>
+                <a:cs typeface="Consolas"/>
+                <a:sym typeface="Consolas"/>
+              </a:rPr>
+              <a:t>            [-{</a:t>
+            </a:r>
+            <a:r>
+              <a:rPr lang="en" sz="1200" dirty="0" err="1">
+                <a:solidFill>
+                  <a:srgbClr val="333333"/>
+                </a:solidFill>
+                <a:highlight>
+                  <a:srgbClr val="FFFFFF"/>
+                </a:highlight>
+                <a:latin typeface="Consolas"/>
+                <a:ea typeface="Consolas"/>
+                <a:cs typeface="Consolas"/>
+                <a:sym typeface="Consolas"/>
+              </a:rPr>
+              <a:t>oO</a:t>
+            </a:r>
+            <a:r>
+              <a:rPr lang="en" sz="1200" dirty="0">
+                <a:solidFill>
+                  <a:srgbClr val="333333"/>
+                </a:solidFill>
+                <a:highlight>
+                  <a:srgbClr val="FFFFFF"/>
+                </a:highlight>
+                <a:latin typeface="Consolas"/>
+                <a:ea typeface="Consolas"/>
+                <a:cs typeface="Consolas"/>
+                <a:sym typeface="Consolas"/>
+              </a:rPr>
+              <a:t>} logfile] [-p pattern] [-P prompt] [-t tag]</a:t>
+            </a:r>
+            <a:endParaRPr sz="1200" dirty="0">
               <a:solidFill>
                 <a:srgbClr val="333333"/>
               </a:solidFill>
@@ -8859,21 +8954,51 @@
           </a:p>
           <a:p>
             <a:r>
-              <a:rPr lang="en" sz="1200">
-                <a:solidFill>
-                  <a:srgbClr val="333333"/>
-                </a:solidFill>
-                <a:highlight>
-                  <a:srgbClr val="FFFFFF"/>
-                </a:highlight>
-                <a:latin typeface="Consolas"/>
-                <a:ea typeface="Consolas"/>
-                <a:cs typeface="Consolas"/>
-                <a:sym typeface="Consolas"/>
-              </a:rPr>
-              <a:t>            [-T tagsfile] [-x tab,...] [-y lines] [-[z] lines]</a:t>
-            </a:r>
-            <a:endParaRPr sz="1200">
+              <a:rPr lang="en" sz="1200" dirty="0">
+                <a:solidFill>
+                  <a:srgbClr val="333333"/>
+                </a:solidFill>
+                <a:highlight>
+                  <a:srgbClr val="FFFFFF"/>
+                </a:highlight>
+                <a:latin typeface="Consolas"/>
+                <a:ea typeface="Consolas"/>
+                <a:cs typeface="Consolas"/>
+                <a:sym typeface="Consolas"/>
+              </a:rPr>
+              <a:t>            [-T </a:t>
+            </a:r>
+            <a:r>
+              <a:rPr lang="en" sz="1200" dirty="0" err="1">
+                <a:solidFill>
+                  <a:srgbClr val="333333"/>
+                </a:solidFill>
+                <a:highlight>
+                  <a:srgbClr val="FFFFFF"/>
+                </a:highlight>
+                <a:latin typeface="Consolas"/>
+                <a:ea typeface="Consolas"/>
+                <a:cs typeface="Consolas"/>
+                <a:sym typeface="Consolas"/>
+              </a:rPr>
+              <a:t>tagsfile</a:t>
+            </a:r>
+            <a:r>
+              <a:rPr lang="en" sz="1200" dirty="0">
+                <a:solidFill>
+                  <a:srgbClr val="333333"/>
+                </a:solidFill>
+                <a:highlight>
+                  <a:srgbClr val="FFFFFF"/>
+                </a:highlight>
+                <a:latin typeface="Consolas"/>
+                <a:ea typeface="Consolas"/>
+                <a:cs typeface="Consolas"/>
+                <a:sym typeface="Consolas"/>
+              </a:rPr>
+              <a:t>] [-x tab,...] [-y lines] [-[z] lines]</a:t>
+            </a:r>
+            <a:endParaRPr sz="1200" dirty="0">
               <a:solidFill>
                 <a:srgbClr val="333333"/>
               </a:solidFill>
@@ -8888,21 +9013,51 @@
           </a:p>
           <a:p>
             <a:r>
-              <a:rPr lang="en" sz="1200">
-                <a:solidFill>
-                  <a:srgbClr val="333333"/>
-                </a:solidFill>
-                <a:highlight>
-                  <a:srgbClr val="FFFFFF"/>
-                </a:highlight>
-                <a:latin typeface="Consolas"/>
-                <a:ea typeface="Consolas"/>
-                <a:cs typeface="Consolas"/>
-                <a:sym typeface="Consolas"/>
-              </a:rPr>
-              <a:t>            [-# shift] [+[+]cmd] [--] [filename]...</a:t>
-            </a:r>
-            <a:endParaRPr sz="1200">
+              <a:rPr lang="en" sz="1200" dirty="0">
+                <a:solidFill>
+                  <a:srgbClr val="333333"/>
+                </a:solidFill>
+                <a:highlight>
+                  <a:srgbClr val="FFFFFF"/>
+                </a:highlight>
+                <a:latin typeface="Consolas"/>
+                <a:ea typeface="Consolas"/>
+                <a:cs typeface="Consolas"/>
+                <a:sym typeface="Consolas"/>
+              </a:rPr>
+              <a:t>            [-# shift] [+[+]</a:t>
+            </a:r>
+            <a:r>
+              <a:rPr lang="en" sz="1200" dirty="0" err="1">
+                <a:solidFill>
+                  <a:srgbClr val="333333"/>
+                </a:solidFill>
+                <a:highlight>
+                  <a:srgbClr val="FFFFFF"/>
+                </a:highlight>
+                <a:latin typeface="Consolas"/>
+                <a:ea typeface="Consolas"/>
+                <a:cs typeface="Consolas"/>
+                <a:sym typeface="Consolas"/>
+              </a:rPr>
+              <a:t>cmd</a:t>
+            </a:r>
+            <a:r>
+              <a:rPr lang="en" sz="1200" dirty="0">
+                <a:solidFill>
+                  <a:srgbClr val="333333"/>
+                </a:solidFill>
+                <a:highlight>
+                  <a:srgbClr val="FFFFFF"/>
+                </a:highlight>
+                <a:latin typeface="Consolas"/>
+                <a:ea typeface="Consolas"/>
+                <a:cs typeface="Consolas"/>
+                <a:sym typeface="Consolas"/>
+              </a:rPr>
+              <a:t>] [--] [filename]...</a:t>
+            </a:r>
+            <a:endParaRPr sz="1200" dirty="0">
               <a:solidFill>
                 <a:srgbClr val="333333"/>
               </a:solidFill>
@@ -8917,7 +9072,7 @@
           </a:p>
           <a:p>
             <a:r>
-              <a:rPr lang="en" sz="1200">
+              <a:rPr lang="en" sz="1200" dirty="0">
                 <a:solidFill>
                   <a:srgbClr val="333333"/>
                 </a:solidFill>
@@ -8931,7 +9086,7 @@
               </a:rPr>
               <a:t>       (See  the  OPTIONS  section  for  alternate option syntax with long option</a:t>
             </a:r>
-            <a:endParaRPr sz="1200">
+            <a:endParaRPr sz="1200" dirty="0">
               <a:solidFill>
                 <a:srgbClr val="333333"/>
               </a:solidFill>
@@ -8946,7 +9101,7 @@
           </a:p>
           <a:p>
             <a:r>
-              <a:rPr lang="en" sz="1200">
+              <a:rPr lang="en" sz="1200" dirty="0">
                 <a:solidFill>
                   <a:srgbClr val="333333"/>
                 </a:solidFill>
@@ -8960,7 +9115,7 @@
               </a:rPr>
               <a:t>       names.)</a:t>
             </a:r>
-            <a:endParaRPr sz="1200">
+            <a:endParaRPr sz="1200" dirty="0">
               <a:solidFill>
                 <a:srgbClr val="333333"/>
               </a:solidFill>
@@ -8974,7 +9129,7 @@
             </a:endParaRPr>
           </a:p>
           <a:p>
-            <a:endParaRPr sz="1200">
+            <a:endParaRPr sz="1200" dirty="0">
               <a:solidFill>
                 <a:srgbClr val="333333"/>
               </a:solidFill>
@@ -8988,7 +9143,7 @@
             </a:endParaRPr>
           </a:p>
           <a:p>
-            <a:endParaRPr sz="1200">
+            <a:endParaRPr sz="1200" dirty="0">
               <a:solidFill>
                 <a:srgbClr val="333333"/>
               </a:solidFill>
@@ -9003,7 +9158,7 @@
           </a:p>
           <a:p>
             <a:r>
-              <a:rPr lang="en" sz="1200">
+              <a:rPr lang="en" sz="1200" dirty="0">
                 <a:solidFill>
                   <a:srgbClr val="333333"/>
                 </a:solidFill>
@@ -9017,7 +9172,7 @@
               </a:rPr>
               <a:t>DESCRIPTION</a:t>
             </a:r>
-            <a:endParaRPr sz="1200">
+            <a:endParaRPr sz="1200" dirty="0">
               <a:solidFill>
                 <a:srgbClr val="333333"/>
               </a:solidFill>
@@ -9032,7 +9187,7 @@
           </a:p>
           <a:p>
             <a:r>
-              <a:rPr lang="en" sz="1200">
+              <a:rPr lang="en" sz="1200" dirty="0">
                 <a:solidFill>
                   <a:srgbClr val="333333"/>
                 </a:solidFill>
@@ -9046,7 +9201,7 @@
               </a:rPr>
               <a:t>       Less is a program similar to more (1), but which allows backward  movement</a:t>
             </a:r>
-            <a:endParaRPr sz="1200">
+            <a:endParaRPr sz="1200" dirty="0">
               <a:solidFill>
                 <a:srgbClr val="333333"/>
               </a:solidFill>
@@ -9061,7 +9216,7 @@
           </a:p>
           <a:p>
             <a:r>
-              <a:rPr lang="en" sz="1200">
+              <a:rPr lang="en" sz="1200" dirty="0">
                 <a:solidFill>
                   <a:srgbClr val="333333"/>
                 </a:solidFill>
@@ -9075,7 +9230,7 @@
               </a:rPr>
               <a:t>       in the file as well as forward movement.  Also, less does not have to read</a:t>
             </a:r>
-            <a:endParaRPr sz="1200">
+            <a:endParaRPr sz="1200" dirty="0">
               <a:solidFill>
                 <a:srgbClr val="333333"/>
               </a:solidFill>
@@ -9089,7 +9244,7 @@
             </a:endParaRPr>
           </a:p>
           <a:p>
-            <a:endParaRPr sz="1200">
+            <a:endParaRPr sz="1200" dirty="0">
               <a:solidFill>
                 <a:srgbClr val="333333"/>
               </a:solidFill>
@@ -15580,7 +15735,7 @@
           <a:lstStyle/>
           <a:p>
             <a:r>
-              <a:rPr lang="en" sz="2400" b="1">
+              <a:rPr lang="en" sz="2400" b="1" dirty="0">
                 <a:solidFill>
                   <a:srgbClr val="38761D"/>
                 </a:solidFill>
@@ -15594,7 +15749,7 @@
               </a:rPr>
               <a:t>By default, grep reports a pattern match anywhere it find it on the line.</a:t>
             </a:r>
-            <a:endParaRPr sz="2400" b="1">
+            <a:endParaRPr sz="2400" b="1" dirty="0">
               <a:solidFill>
                 <a:srgbClr val="38761D"/>
               </a:solidFill>
@@ -15608,7 +15763,7 @@
             </a:endParaRPr>
           </a:p>
           <a:p>
-            <a:endParaRPr sz="2400" b="1">
+            <a:endParaRPr sz="2400" b="1" dirty="0">
               <a:solidFill>
                 <a:srgbClr val="38761D"/>
               </a:solidFill>
@@ -15623,7 +15778,7 @@
           </a:p>
           <a:p>
             <a:r>
-              <a:rPr lang="en" sz="2400" b="1">
+              <a:rPr lang="en" sz="2400" b="1" dirty="0">
                 <a:solidFill>
                   <a:srgbClr val="38761D"/>
                 </a:solidFill>
@@ -15635,9 +15790,39 @@
                 <a:cs typeface="Economica"/>
                 <a:sym typeface="Economica"/>
               </a:rPr>
-              <a:t>What if we want to match "gene" but not things like "gene_name"?</a:t>
-            </a:r>
-            <a:endParaRPr sz="2400" b="1">
+              <a:t>What if we want to match "gene" but not things like "</a:t>
+            </a:r>
+            <a:r>
+              <a:rPr lang="en" sz="2400" b="1" dirty="0" err="1">
+                <a:solidFill>
+                  <a:srgbClr val="38761D"/>
+                </a:solidFill>
+                <a:highlight>
+                  <a:schemeClr val="lt1"/>
+                </a:highlight>
+                <a:latin typeface="Economica"/>
+                <a:ea typeface="Economica"/>
+                <a:cs typeface="Economica"/>
+                <a:sym typeface="Economica"/>
+              </a:rPr>
+              <a:t>gene_name</a:t>
+            </a:r>
+            <a:r>
+              <a:rPr lang="en" sz="2400" b="1" dirty="0">
+                <a:solidFill>
+                  <a:srgbClr val="38761D"/>
+                </a:solidFill>
+                <a:highlight>
+                  <a:schemeClr val="lt1"/>
+                </a:highlight>
+                <a:latin typeface="Economica"/>
+                <a:ea typeface="Economica"/>
+                <a:cs typeface="Economica"/>
+                <a:sym typeface="Economica"/>
+              </a:rPr>
+              <a:t>"?</a:t>
+            </a:r>
+            <a:endParaRPr sz="2400" b="1" dirty="0">
               <a:solidFill>
                 <a:srgbClr val="38761D"/>
               </a:solidFill>
@@ -19069,7 +19254,7 @@
         </p:nvSpPr>
         <p:spPr>
           <a:xfrm>
-            <a:off x="289257" y="1150520"/>
+            <a:off x="202500" y="1150520"/>
             <a:ext cx="5993200" cy="870400"/>
           </a:xfrm>
           <a:prstGeom prst="rect">
@@ -26639,7 +26824,7 @@
         <p:spPr>
           <a:xfrm>
             <a:off x="264732" y="1185033"/>
-            <a:ext cx="9678054" cy="870400"/>
+            <a:ext cx="10581608" cy="870400"/>
           </a:xfrm>
           <a:prstGeom prst="rect">
             <a:avLst/>
@@ -26683,7 +26868,7 @@
                 <a:cs typeface="Courier New"/>
                 <a:sym typeface="Courier New"/>
               </a:rPr>
-              <a:t>grep -v "#!gen" </a:t>
+              <a:t>grep -v "#\!gen" </a:t>
             </a:r>
             <a:r>
               <a:rPr lang="en" sz="2400" b="1" dirty="0" err="1">
